--- a/Docs/Presentation.pptx
+++ b/Docs/Presentation.pptx
@@ -271,7 +271,7 @@
           <a:p>
             <a:fld id="{4EC89A84-8874-4C09-96CE-114966570F75}" type="datetimeFigureOut">
               <a:rPr lang="en-US" smtClean="0"/>
-              <a:t>1/23/2022</a:t>
+              <a:t>2/4/2022</a:t>
             </a:fld>
             <a:endParaRPr lang="en-US"/>
           </a:p>
@@ -469,7 +469,7 @@
           <a:p>
             <a:fld id="{4EC89A84-8874-4C09-96CE-114966570F75}" type="datetimeFigureOut">
               <a:rPr lang="en-US" smtClean="0"/>
-              <a:t>1/23/2022</a:t>
+              <a:t>2/4/2022</a:t>
             </a:fld>
             <a:endParaRPr lang="en-US"/>
           </a:p>
@@ -677,7 +677,7 @@
           <a:p>
             <a:fld id="{4EC89A84-8874-4C09-96CE-114966570F75}" type="datetimeFigureOut">
               <a:rPr lang="en-US" smtClean="0"/>
-              <a:t>1/23/2022</a:t>
+              <a:t>2/4/2022</a:t>
             </a:fld>
             <a:endParaRPr lang="en-US"/>
           </a:p>
@@ -875,7 +875,7 @@
           <a:p>
             <a:fld id="{4EC89A84-8874-4C09-96CE-114966570F75}" type="datetimeFigureOut">
               <a:rPr lang="en-US" smtClean="0"/>
-              <a:t>1/23/2022</a:t>
+              <a:t>2/4/2022</a:t>
             </a:fld>
             <a:endParaRPr lang="en-US"/>
           </a:p>
@@ -1150,7 +1150,7 @@
           <a:p>
             <a:fld id="{4EC89A84-8874-4C09-96CE-114966570F75}" type="datetimeFigureOut">
               <a:rPr lang="en-US" smtClean="0"/>
-              <a:t>1/23/2022</a:t>
+              <a:t>2/4/2022</a:t>
             </a:fld>
             <a:endParaRPr lang="en-US"/>
           </a:p>
@@ -1415,7 +1415,7 @@
           <a:p>
             <a:fld id="{4EC89A84-8874-4C09-96CE-114966570F75}" type="datetimeFigureOut">
               <a:rPr lang="en-US" smtClean="0"/>
-              <a:t>1/23/2022</a:t>
+              <a:t>2/4/2022</a:t>
             </a:fld>
             <a:endParaRPr lang="en-US"/>
           </a:p>
@@ -1827,7 +1827,7 @@
           <a:p>
             <a:fld id="{4EC89A84-8874-4C09-96CE-114966570F75}" type="datetimeFigureOut">
               <a:rPr lang="en-US" smtClean="0"/>
-              <a:t>1/23/2022</a:t>
+              <a:t>2/4/2022</a:t>
             </a:fld>
             <a:endParaRPr lang="en-US"/>
           </a:p>
@@ -1968,7 +1968,7 @@
           <a:p>
             <a:fld id="{4EC89A84-8874-4C09-96CE-114966570F75}" type="datetimeFigureOut">
               <a:rPr lang="en-US" smtClean="0"/>
-              <a:t>1/23/2022</a:t>
+              <a:t>2/4/2022</a:t>
             </a:fld>
             <a:endParaRPr lang="en-US"/>
           </a:p>
@@ -2081,7 +2081,7 @@
           <a:p>
             <a:fld id="{4EC89A84-8874-4C09-96CE-114966570F75}" type="datetimeFigureOut">
               <a:rPr lang="en-US" smtClean="0"/>
-              <a:t>1/23/2022</a:t>
+              <a:t>2/4/2022</a:t>
             </a:fld>
             <a:endParaRPr lang="en-US"/>
           </a:p>
@@ -2392,7 +2392,7 @@
           <a:p>
             <a:fld id="{4EC89A84-8874-4C09-96CE-114966570F75}" type="datetimeFigureOut">
               <a:rPr lang="en-US" smtClean="0"/>
-              <a:t>1/23/2022</a:t>
+              <a:t>2/4/2022</a:t>
             </a:fld>
             <a:endParaRPr lang="en-US"/>
           </a:p>
@@ -2680,7 +2680,7 @@
           <a:p>
             <a:fld id="{4EC89A84-8874-4C09-96CE-114966570F75}" type="datetimeFigureOut">
               <a:rPr lang="en-US" smtClean="0"/>
-              <a:t>1/23/2022</a:t>
+              <a:t>2/4/2022</a:t>
             </a:fld>
             <a:endParaRPr lang="en-US"/>
           </a:p>
@@ -2921,7 +2921,7 @@
           <a:p>
             <a:fld id="{4EC89A84-8874-4C09-96CE-114966570F75}" type="datetimeFigureOut">
               <a:rPr lang="en-US" smtClean="0"/>
-              <a:t>1/23/2022</a:t>
+              <a:t>2/4/2022</a:t>
             </a:fld>
             <a:endParaRPr lang="en-US"/>
           </a:p>
@@ -3585,10 +3585,10 @@
       </p:sp>
       <p:pic>
         <p:nvPicPr>
-          <p:cNvPr id="4" name="Picture 3">
-            <a:extLst>
-              <a:ext uri="{FF2B5EF4-FFF2-40B4-BE49-F238E27FC236}">
-                <a16:creationId xmlns:a16="http://schemas.microsoft.com/office/drawing/2014/main" id="{3BA071B5-0CA0-438C-BDCE-48993A181D4A}"/>
+          <p:cNvPr id="5" name="Picture 4">
+            <a:extLst>
+              <a:ext uri="{FF2B5EF4-FFF2-40B4-BE49-F238E27FC236}">
+                <a16:creationId xmlns:a16="http://schemas.microsoft.com/office/drawing/2014/main" id="{802C8133-325C-4745-B3BC-70F3B0DCEC68}"/>
               </a:ext>
             </a:extLst>
           </p:cNvPr>
@@ -3605,8 +3605,8 @@
         </p:blipFill>
         <p:spPr>
           <a:xfrm>
-            <a:off x="1778473" y="3767956"/>
-            <a:ext cx="8257981" cy="2624018"/>
+            <a:off x="2202024" y="3806890"/>
+            <a:ext cx="7249886" cy="2798009"/>
           </a:xfrm>
           <a:prstGeom prst="rect">
             <a:avLst/>
@@ -5298,11 +5298,11 @@
             </a:r>
             <a:r>
               <a:rPr lang="el-GR" sz="1200" dirty="0"/>
-              <a:t>(41157, 1</a:t>
+              <a:t>(41157, </a:t>
             </a:r>
             <a:r>
               <a:rPr lang="en-US" sz="1200" dirty="0"/>
-              <a:t>702</a:t>
+              <a:t>1638</a:t>
             </a:r>
             <a:r>
               <a:rPr lang="el-GR" sz="1200" dirty="0"/>

--- a/Docs/Presentation.pptx
+++ b/Docs/Presentation.pptx
@@ -271,7 +271,7 @@
           <a:p>
             <a:fld id="{4EC89A84-8874-4C09-96CE-114966570F75}" type="datetimeFigureOut">
               <a:rPr lang="en-US" smtClean="0"/>
-              <a:t>2/4/2022</a:t>
+              <a:t>2/8/2022</a:t>
             </a:fld>
             <a:endParaRPr lang="en-US"/>
           </a:p>
@@ -469,7 +469,7 @@
           <a:p>
             <a:fld id="{4EC89A84-8874-4C09-96CE-114966570F75}" type="datetimeFigureOut">
               <a:rPr lang="en-US" smtClean="0"/>
-              <a:t>2/4/2022</a:t>
+              <a:t>2/8/2022</a:t>
             </a:fld>
             <a:endParaRPr lang="en-US"/>
           </a:p>
@@ -677,7 +677,7 @@
           <a:p>
             <a:fld id="{4EC89A84-8874-4C09-96CE-114966570F75}" type="datetimeFigureOut">
               <a:rPr lang="en-US" smtClean="0"/>
-              <a:t>2/4/2022</a:t>
+              <a:t>2/8/2022</a:t>
             </a:fld>
             <a:endParaRPr lang="en-US"/>
           </a:p>
@@ -875,7 +875,7 @@
           <a:p>
             <a:fld id="{4EC89A84-8874-4C09-96CE-114966570F75}" type="datetimeFigureOut">
               <a:rPr lang="en-US" smtClean="0"/>
-              <a:t>2/4/2022</a:t>
+              <a:t>2/8/2022</a:t>
             </a:fld>
             <a:endParaRPr lang="en-US"/>
           </a:p>
@@ -1150,7 +1150,7 @@
           <a:p>
             <a:fld id="{4EC89A84-8874-4C09-96CE-114966570F75}" type="datetimeFigureOut">
               <a:rPr lang="en-US" smtClean="0"/>
-              <a:t>2/4/2022</a:t>
+              <a:t>2/8/2022</a:t>
             </a:fld>
             <a:endParaRPr lang="en-US"/>
           </a:p>
@@ -1415,7 +1415,7 @@
           <a:p>
             <a:fld id="{4EC89A84-8874-4C09-96CE-114966570F75}" type="datetimeFigureOut">
               <a:rPr lang="en-US" smtClean="0"/>
-              <a:t>2/4/2022</a:t>
+              <a:t>2/8/2022</a:t>
             </a:fld>
             <a:endParaRPr lang="en-US"/>
           </a:p>
@@ -1827,7 +1827,7 @@
           <a:p>
             <a:fld id="{4EC89A84-8874-4C09-96CE-114966570F75}" type="datetimeFigureOut">
               <a:rPr lang="en-US" smtClean="0"/>
-              <a:t>2/4/2022</a:t>
+              <a:t>2/8/2022</a:t>
             </a:fld>
             <a:endParaRPr lang="en-US"/>
           </a:p>
@@ -1968,7 +1968,7 @@
           <a:p>
             <a:fld id="{4EC89A84-8874-4C09-96CE-114966570F75}" type="datetimeFigureOut">
               <a:rPr lang="en-US" smtClean="0"/>
-              <a:t>2/4/2022</a:t>
+              <a:t>2/8/2022</a:t>
             </a:fld>
             <a:endParaRPr lang="en-US"/>
           </a:p>
@@ -2081,7 +2081,7 @@
           <a:p>
             <a:fld id="{4EC89A84-8874-4C09-96CE-114966570F75}" type="datetimeFigureOut">
               <a:rPr lang="en-US" smtClean="0"/>
-              <a:t>2/4/2022</a:t>
+              <a:t>2/8/2022</a:t>
             </a:fld>
             <a:endParaRPr lang="en-US"/>
           </a:p>
@@ -2392,7 +2392,7 @@
           <a:p>
             <a:fld id="{4EC89A84-8874-4C09-96CE-114966570F75}" type="datetimeFigureOut">
               <a:rPr lang="en-US" smtClean="0"/>
-              <a:t>2/4/2022</a:t>
+              <a:t>2/8/2022</a:t>
             </a:fld>
             <a:endParaRPr lang="en-US"/>
           </a:p>
@@ -2680,7 +2680,7 @@
           <a:p>
             <a:fld id="{4EC89A84-8874-4C09-96CE-114966570F75}" type="datetimeFigureOut">
               <a:rPr lang="en-US" smtClean="0"/>
-              <a:t>2/4/2022</a:t>
+              <a:t>2/8/2022</a:t>
             </a:fld>
             <a:endParaRPr lang="en-US"/>
           </a:p>
@@ -2921,7 +2921,7 @@
           <a:p>
             <a:fld id="{4EC89A84-8874-4C09-96CE-114966570F75}" type="datetimeFigureOut">
               <a:rPr lang="en-US" smtClean="0"/>
-              <a:t>2/4/2022</a:t>
+              <a:t>2/8/2022</a:t>
             </a:fld>
             <a:endParaRPr lang="en-US"/>
           </a:p>
@@ -6205,7 +6205,7 @@
         </p:nvSpPr>
         <p:spPr>
           <a:xfrm>
-            <a:off x="638881" y="670218"/>
+            <a:off x="638884" y="322527"/>
             <a:ext cx="10909640" cy="1065836"/>
           </a:xfrm>
         </p:spPr>
@@ -6217,9 +6217,10 @@
           <a:p>
             <a:pPr algn="ctr"/>
             <a:r>
-              <a:rPr lang="en-US" sz="6600" dirty="0"/>
+              <a:rPr lang="en-US" sz="6600"/>
               <a:t>Metrics(1/2)</a:t>
             </a:r>
+            <a:endParaRPr lang="en-US" sz="6600" dirty="0"/>
           </a:p>
         </p:txBody>
       </p:sp>
@@ -6242,12 +6243,12 @@
         <p:spPr>
           <a:xfrm>
             <a:off x="638881" y="1851381"/>
-            <a:ext cx="10909643" cy="552659"/>
+            <a:ext cx="10909643" cy="365907"/>
           </a:xfrm>
         </p:spPr>
         <p:txBody>
           <a:bodyPr vert="horz" lIns="91440" tIns="45720" rIns="91440" bIns="45720" rtlCol="0" anchor="ctr">
-            <a:normAutofit/>
+            <a:normAutofit fontScale="92500" lnSpcReduction="20000"/>
           </a:bodyPr>
           <a:lstStyle/>
           <a:p>
@@ -6255,9 +6256,10 @@
               <a:buNone/>
             </a:pPr>
             <a:r>
-              <a:rPr lang="en-US" sz="2400" dirty="0"/>
+              <a:rPr lang="en-US" sz="2400"/>
               <a:t>SVM					LR				Naïve Bayes</a:t>
             </a:r>
+            <a:endParaRPr lang="en-US" sz="2400" dirty="0"/>
           </a:p>
         </p:txBody>
       </p:sp>
@@ -6656,7 +6658,7 @@
         </p:blipFill>
         <p:spPr>
           <a:xfrm>
-            <a:off x="8799576" y="2653940"/>
+            <a:off x="8799576" y="2402514"/>
             <a:ext cx="2538028" cy="3600041"/>
           </a:xfrm>
           <a:prstGeom prst="rect">
@@ -6686,7 +6688,7 @@
         </p:blipFill>
         <p:spPr>
           <a:xfrm>
-            <a:off x="598796" y="2587741"/>
+            <a:off x="638881" y="2402514"/>
             <a:ext cx="2601029" cy="3600041"/>
           </a:xfrm>
           <a:prstGeom prst="rect">
@@ -6716,38 +6718,8 @@
         </p:blipFill>
         <p:spPr>
           <a:xfrm>
-            <a:off x="4725686" y="2587741"/>
+            <a:off x="4725686" y="2402514"/>
             <a:ext cx="2736030" cy="3600041"/>
-          </a:xfrm>
-          <a:prstGeom prst="rect">
-            <a:avLst/>
-          </a:prstGeom>
-        </p:spPr>
-      </p:pic>
-      <p:pic>
-        <p:nvPicPr>
-          <p:cNvPr id="9" name="Picture 8">
-            <a:extLst>
-              <a:ext uri="{FF2B5EF4-FFF2-40B4-BE49-F238E27FC236}">
-                <a16:creationId xmlns:a16="http://schemas.microsoft.com/office/drawing/2014/main" id="{D3B0F542-128A-48B6-A7C5-EA69F56FD3E7}"/>
-              </a:ext>
-            </a:extLst>
-          </p:cNvPr>
-          <p:cNvPicPr>
-            <a:picLocks noChangeAspect="1"/>
-          </p:cNvPicPr>
-          <p:nvPr/>
-        </p:nvPicPr>
-        <p:blipFill>
-          <a:blip r:embed="rId5"/>
-          <a:stretch>
-            <a:fillRect/>
-          </a:stretch>
-        </p:blipFill>
-        <p:spPr>
-          <a:xfrm>
-            <a:off x="4051173" y="6187782"/>
-            <a:ext cx="3800475" cy="638175"/>
           </a:xfrm>
           <a:prstGeom prst="rect">
             <a:avLst/>
@@ -6912,8 +6884,8 @@
         </p:blipFill>
         <p:spPr>
           <a:xfrm>
-            <a:off x="2579726" y="5198523"/>
-            <a:ext cx="6743700" cy="1343025"/>
+            <a:off x="59999" y="4844757"/>
+            <a:ext cx="5174474" cy="1343025"/>
           </a:xfrm>
           <a:prstGeom prst="rect">
             <a:avLst/>
@@ -7580,6 +7552,36 @@
           <a:xfrm>
             <a:off x="4383316" y="2790052"/>
             <a:ext cx="3990975" cy="1476375"/>
+          </a:xfrm>
+          <a:prstGeom prst="rect">
+            <a:avLst/>
+          </a:prstGeom>
+        </p:spPr>
+      </p:pic>
+      <p:pic>
+        <p:nvPicPr>
+          <p:cNvPr id="3" name="Picture 2">
+            <a:extLst>
+              <a:ext uri="{FF2B5EF4-FFF2-40B4-BE49-F238E27FC236}">
+                <a16:creationId xmlns:a16="http://schemas.microsoft.com/office/drawing/2014/main" id="{45DFADB0-4329-4DB8-AAE4-B699BDB049C5}"/>
+              </a:ext>
+            </a:extLst>
+          </p:cNvPr>
+          <p:cNvPicPr>
+            <a:picLocks noChangeAspect="1"/>
+          </p:cNvPicPr>
+          <p:nvPr/>
+        </p:nvPicPr>
+        <p:blipFill>
+          <a:blip r:embed="rId6"/>
+          <a:stretch>
+            <a:fillRect/>
+          </a:stretch>
+        </p:blipFill>
+        <p:spPr>
+          <a:xfrm>
+            <a:off x="5862346" y="4486525"/>
+            <a:ext cx="4610100" cy="2009775"/>
           </a:xfrm>
           <a:prstGeom prst="rect">
             <a:avLst/>
